--- a/presentation-CINTIA-SHINODA.pptx
+++ b/presentation-CINTIA-SHINODA.pptx
@@ -108,6 +108,11 @@
       </a:defRPr>
     </a:lvl9pPr>
   </p:defaultTextStyle>
+  <p:extLst>
+    <p:ext uri="{EFAFB233-063F-42B5-8137-9DF3F51BA10A}">
+      <p15:sldGuideLst xmlns:p15="http://schemas.microsoft.com/office/powerpoint/2012/main"/>
+    </p:ext>
+  </p:extLst>
 </p:presentation>
 </file>
 
@@ -260,7 +265,7 @@
           <a:p>
             <a:fld id="{BC946CAC-F4F1-0C4E-815E-B95A1AC95B6E}" type="datetimeFigureOut">
               <a:rPr lang="en-BR" smtClean="0"/>
-              <a:t>27/03/25</a:t>
+              <a:t>09/05/25</a:t>
             </a:fld>
             <a:endParaRPr lang="en-BR"/>
           </a:p>
@@ -460,7 +465,7 @@
           <a:p>
             <a:fld id="{BC946CAC-F4F1-0C4E-815E-B95A1AC95B6E}" type="datetimeFigureOut">
               <a:rPr lang="en-BR" smtClean="0"/>
-              <a:t>27/03/25</a:t>
+              <a:t>09/05/25</a:t>
             </a:fld>
             <a:endParaRPr lang="en-BR"/>
           </a:p>
@@ -670,7 +675,7 @@
           <a:p>
             <a:fld id="{BC946CAC-F4F1-0C4E-815E-B95A1AC95B6E}" type="datetimeFigureOut">
               <a:rPr lang="en-BR" smtClean="0"/>
-              <a:t>27/03/25</a:t>
+              <a:t>09/05/25</a:t>
             </a:fld>
             <a:endParaRPr lang="en-BR"/>
           </a:p>
@@ -870,7 +875,7 @@
           <a:p>
             <a:fld id="{BC946CAC-F4F1-0C4E-815E-B95A1AC95B6E}" type="datetimeFigureOut">
               <a:rPr lang="en-BR" smtClean="0"/>
-              <a:t>27/03/25</a:t>
+              <a:t>09/05/25</a:t>
             </a:fld>
             <a:endParaRPr lang="en-BR"/>
           </a:p>
@@ -1146,7 +1151,7 @@
           <a:p>
             <a:fld id="{BC946CAC-F4F1-0C4E-815E-B95A1AC95B6E}" type="datetimeFigureOut">
               <a:rPr lang="en-BR" smtClean="0"/>
-              <a:t>27/03/25</a:t>
+              <a:t>09/05/25</a:t>
             </a:fld>
             <a:endParaRPr lang="en-BR"/>
           </a:p>
@@ -1414,7 +1419,7 @@
           <a:p>
             <a:fld id="{BC946CAC-F4F1-0C4E-815E-B95A1AC95B6E}" type="datetimeFigureOut">
               <a:rPr lang="en-BR" smtClean="0"/>
-              <a:t>27/03/25</a:t>
+              <a:t>09/05/25</a:t>
             </a:fld>
             <a:endParaRPr lang="en-BR"/>
           </a:p>
@@ -1829,7 +1834,7 @@
           <a:p>
             <a:fld id="{BC946CAC-F4F1-0C4E-815E-B95A1AC95B6E}" type="datetimeFigureOut">
               <a:rPr lang="en-BR" smtClean="0"/>
-              <a:t>27/03/25</a:t>
+              <a:t>09/05/25</a:t>
             </a:fld>
             <a:endParaRPr lang="en-BR"/>
           </a:p>
@@ -1971,7 +1976,7 @@
           <a:p>
             <a:fld id="{BC946CAC-F4F1-0C4E-815E-B95A1AC95B6E}" type="datetimeFigureOut">
               <a:rPr lang="en-BR" smtClean="0"/>
-              <a:t>27/03/25</a:t>
+              <a:t>09/05/25</a:t>
             </a:fld>
             <a:endParaRPr lang="en-BR"/>
           </a:p>
@@ -2084,7 +2089,7 @@
           <a:p>
             <a:fld id="{BC946CAC-F4F1-0C4E-815E-B95A1AC95B6E}" type="datetimeFigureOut">
               <a:rPr lang="en-BR" smtClean="0"/>
-              <a:t>27/03/25</a:t>
+              <a:t>09/05/25</a:t>
             </a:fld>
             <a:endParaRPr lang="en-BR"/>
           </a:p>
@@ -2397,7 +2402,7 @@
           <a:p>
             <a:fld id="{BC946CAC-F4F1-0C4E-815E-B95A1AC95B6E}" type="datetimeFigureOut">
               <a:rPr lang="en-BR" smtClean="0"/>
-              <a:t>27/03/25</a:t>
+              <a:t>09/05/25</a:t>
             </a:fld>
             <a:endParaRPr lang="en-BR"/>
           </a:p>
@@ -2686,7 +2691,7 @@
           <a:p>
             <a:fld id="{BC946CAC-F4F1-0C4E-815E-B95A1AC95B6E}" type="datetimeFigureOut">
               <a:rPr lang="en-BR" smtClean="0"/>
-              <a:t>27/03/25</a:t>
+              <a:t>09/05/25</a:t>
             </a:fld>
             <a:endParaRPr lang="en-BR"/>
           </a:p>
@@ -2929,7 +2934,7 @@
           <a:p>
             <a:fld id="{BC946CAC-F4F1-0C4E-815E-B95A1AC95B6E}" type="datetimeFigureOut">
               <a:rPr lang="en-BR" smtClean="0"/>
-              <a:t>27/03/25</a:t>
+              <a:t>09/05/25</a:t>
             </a:fld>
             <a:endParaRPr lang="en-BR"/>
           </a:p>
@@ -3392,6 +3397,19 @@
           </a:p>
           <a:p>
             <a:r>
+              <a:rPr lang="en-BR">
+                <a:solidFill>
+                  <a:schemeClr val="tx1">
+                    <a:lumMod val="65000"/>
+                    <a:lumOff val="35000"/>
+                  </a:schemeClr>
+                </a:solidFill>
+                <a:latin typeface="Didot" panose="02000503000000020003" pitchFamily="2" charset="-79"/>
+                <a:cs typeface="Didot" panose="02000503000000020003" pitchFamily="2" charset="-79"/>
+              </a:rPr>
+              <a:t>Data Analyst Tech </a:t>
+            </a:r>
+            <a:r>
               <a:rPr lang="en-BR" dirty="0">
                 <a:solidFill>
                   <a:schemeClr val="tx1">
@@ -3402,7 +3420,7 @@
                 <a:latin typeface="Didot" panose="02000503000000020003" pitchFamily="2" charset="-79"/>
                 <a:cs typeface="Didot" panose="02000503000000020003" pitchFamily="2" charset="-79"/>
               </a:rPr>
-              <a:t>Data Analyst Intern’s Tech Test</a:t>
+              <a:t>Test</a:t>
             </a:r>
           </a:p>
         </p:txBody>
